--- a/competitive-programming-sessions/Competitive Programming - 2025.09.05.pptx
+++ b/competitive-programming-sessions/Competitive Programming - 2025.09.05.pptx
@@ -121,6 +121,11 @@
       </a:defRPr>
     </a:lvl9pPr>
   </p:defaultTextStyle>
+  <p:extLst>
+    <p:ext uri="{EFAFB233-063F-42B5-8137-9DF3F51BA10A}">
+      <p15:sldGuideLst xmlns:p15="http://schemas.microsoft.com/office/powerpoint/2012/main"/>
+    </p:ext>
+  </p:extLst>
 </p:presentation>
 </file>
 
@@ -206,7 +211,7 @@
           <a:p>
             <a:fld id="{C1A630E0-1C1A-4112-8A81-709F04D65B08}" type="datetimeFigureOut">
               <a:rPr lang="LID4096" smtClean="0"/>
-              <a:t>08/29/2025</a:t>
+              <a:t>10/10/2025</a:t>
             </a:fld>
             <a:endParaRPr lang="LID4096"/>
           </a:p>
@@ -1247,7 +1252,7 @@
           <a:p>
             <a:fld id="{7F017C73-9BEB-4B70-83EB-DB6837A2FB7C}" type="datetimeFigureOut">
               <a:rPr lang="LID4096" smtClean="0"/>
-              <a:t>08/29/2025</a:t>
+              <a:t>10/10/2025</a:t>
             </a:fld>
             <a:endParaRPr lang="LID4096"/>
           </a:p>
@@ -1447,7 +1452,7 @@
           <a:p>
             <a:fld id="{7F017C73-9BEB-4B70-83EB-DB6837A2FB7C}" type="datetimeFigureOut">
               <a:rPr lang="LID4096" smtClean="0"/>
-              <a:t>08/29/2025</a:t>
+              <a:t>10/10/2025</a:t>
             </a:fld>
             <a:endParaRPr lang="LID4096"/>
           </a:p>
@@ -1657,7 +1662,7 @@
           <a:p>
             <a:fld id="{7F017C73-9BEB-4B70-83EB-DB6837A2FB7C}" type="datetimeFigureOut">
               <a:rPr lang="LID4096" smtClean="0"/>
-              <a:t>08/29/2025</a:t>
+              <a:t>10/10/2025</a:t>
             </a:fld>
             <a:endParaRPr lang="LID4096"/>
           </a:p>
@@ -1857,7 +1862,7 @@
           <a:p>
             <a:fld id="{7F017C73-9BEB-4B70-83EB-DB6837A2FB7C}" type="datetimeFigureOut">
               <a:rPr lang="LID4096" smtClean="0"/>
-              <a:t>08/29/2025</a:t>
+              <a:t>10/10/2025</a:t>
             </a:fld>
             <a:endParaRPr lang="LID4096"/>
           </a:p>
@@ -2133,7 +2138,7 @@
           <a:p>
             <a:fld id="{7F017C73-9BEB-4B70-83EB-DB6837A2FB7C}" type="datetimeFigureOut">
               <a:rPr lang="LID4096" smtClean="0"/>
-              <a:t>08/29/2025</a:t>
+              <a:t>10/10/2025</a:t>
             </a:fld>
             <a:endParaRPr lang="LID4096"/>
           </a:p>
@@ -2401,7 +2406,7 @@
           <a:p>
             <a:fld id="{7F017C73-9BEB-4B70-83EB-DB6837A2FB7C}" type="datetimeFigureOut">
               <a:rPr lang="LID4096" smtClean="0"/>
-              <a:t>08/29/2025</a:t>
+              <a:t>10/10/2025</a:t>
             </a:fld>
             <a:endParaRPr lang="LID4096"/>
           </a:p>
@@ -2816,7 +2821,7 @@
           <a:p>
             <a:fld id="{7F017C73-9BEB-4B70-83EB-DB6837A2FB7C}" type="datetimeFigureOut">
               <a:rPr lang="LID4096" smtClean="0"/>
-              <a:t>08/29/2025</a:t>
+              <a:t>10/10/2025</a:t>
             </a:fld>
             <a:endParaRPr lang="LID4096"/>
           </a:p>
@@ -2958,7 +2963,7 @@
           <a:p>
             <a:fld id="{7F017C73-9BEB-4B70-83EB-DB6837A2FB7C}" type="datetimeFigureOut">
               <a:rPr lang="LID4096" smtClean="0"/>
-              <a:t>08/29/2025</a:t>
+              <a:t>10/10/2025</a:t>
             </a:fld>
             <a:endParaRPr lang="LID4096"/>
           </a:p>
@@ -3071,7 +3076,7 @@
           <a:p>
             <a:fld id="{7F017C73-9BEB-4B70-83EB-DB6837A2FB7C}" type="datetimeFigureOut">
               <a:rPr lang="LID4096" smtClean="0"/>
-              <a:t>08/29/2025</a:t>
+              <a:t>10/10/2025</a:t>
             </a:fld>
             <a:endParaRPr lang="LID4096"/>
           </a:p>
@@ -3384,7 +3389,7 @@
           <a:p>
             <a:fld id="{7F017C73-9BEB-4B70-83EB-DB6837A2FB7C}" type="datetimeFigureOut">
               <a:rPr lang="LID4096" smtClean="0"/>
-              <a:t>08/29/2025</a:t>
+              <a:t>10/10/2025</a:t>
             </a:fld>
             <a:endParaRPr lang="LID4096"/>
           </a:p>
@@ -3673,7 +3678,7 @@
           <a:p>
             <a:fld id="{7F017C73-9BEB-4B70-83EB-DB6837A2FB7C}" type="datetimeFigureOut">
               <a:rPr lang="LID4096" smtClean="0"/>
-              <a:t>08/29/2025</a:t>
+              <a:t>10/10/2025</a:t>
             </a:fld>
             <a:endParaRPr lang="LID4096"/>
           </a:p>
@@ -3916,7 +3921,7 @@
           <a:p>
             <a:fld id="{7F017C73-9BEB-4B70-83EB-DB6837A2FB7C}" type="datetimeFigureOut">
               <a:rPr lang="LID4096" smtClean="0"/>
-              <a:t>08/29/2025</a:t>
+              <a:t>10/10/2025</a:t>
             </a:fld>
             <a:endParaRPr lang="LID4096"/>
           </a:p>
@@ -4356,7 +4361,7 @@
           <a:p>
             <a:r>
               <a:rPr lang="en-US" dirty="0"/>
-              <a:t>Competitive Programming</a:t>
+              <a:t>All Pairs Shortest Path</a:t>
             </a:r>
             <a:endParaRPr lang="LID4096" dirty="0"/>
           </a:p>
